--- a/20190313_zhanghz_Adversary_NLP.pptx
+++ b/20190313_zhanghz_Adversary_NLP.pptx
@@ -5,7 +5,7 @@
     <p:sldMasterId id="2147483648" r:id="rId1"/>
   </p:sldMasterIdLst>
   <p:notesMasterIdLst>
-    <p:notesMasterId r:id="rId32"/>
+    <p:notesMasterId r:id="rId33"/>
   </p:notesMasterIdLst>
   <p:sldIdLst>
     <p:sldId id="256" r:id="rId2"/>
@@ -37,7 +37,8 @@
     <p:sldId id="281" r:id="rId28"/>
     <p:sldId id="282" r:id="rId29"/>
     <p:sldId id="284" r:id="rId30"/>
-    <p:sldId id="285" r:id="rId31"/>
+    <p:sldId id="286" r:id="rId31"/>
+    <p:sldId id="285" r:id="rId32"/>
   </p:sldIdLst>
   <p:sldSz cx="12192000" cy="6858000"/>
   <p:notesSz cx="6858000" cy="9144000"/>
@@ -136,6 +137,11 @@
       </a:defRPr>
     </a:lvl9pPr>
   </p:defaultTextStyle>
+  <p:extLst>
+    <p:ext uri="{EFAFB233-063F-42B5-8137-9DF3F51BA10A}">
+      <p15:sldGuideLst xmlns:p15="http://schemas.microsoft.com/office/powerpoint/2012/main"/>
+    </p:ext>
+  </p:extLst>
 </p:presentation>
 </file>
 
@@ -221,7 +227,7 @@
           <a:p>
             <a:fld id="{CA33E50B-C0BB-4841-8603-162F63777A96}" type="datetimeFigureOut">
               <a:rPr lang="zh-CN" altLang="en-US" smtClean="0"/>
-              <a:t>2019/3/10</a:t>
+              <a:t>2019/3/12</a:t>
             </a:fld>
             <a:endParaRPr lang="zh-CN" altLang="en-US"/>
           </a:p>
@@ -719,7 +725,7 @@
           <a:p>
             <a:fld id="{94802099-2941-4879-B0E9-0A21E5EA70A8}" type="datetimeFigureOut">
               <a:rPr lang="zh-CN" altLang="en-US" smtClean="0"/>
-              <a:t>2019/3/10</a:t>
+              <a:t>2019/3/12</a:t>
             </a:fld>
             <a:endParaRPr lang="zh-CN" altLang="en-US"/>
           </a:p>
@@ -917,7 +923,7 @@
           <a:p>
             <a:fld id="{94802099-2941-4879-B0E9-0A21E5EA70A8}" type="datetimeFigureOut">
               <a:rPr lang="zh-CN" altLang="en-US" smtClean="0"/>
-              <a:t>2019/3/10</a:t>
+              <a:t>2019/3/12</a:t>
             </a:fld>
             <a:endParaRPr lang="zh-CN" altLang="en-US"/>
           </a:p>
@@ -1125,7 +1131,7 @@
           <a:p>
             <a:fld id="{94802099-2941-4879-B0E9-0A21E5EA70A8}" type="datetimeFigureOut">
               <a:rPr lang="zh-CN" altLang="en-US" smtClean="0"/>
-              <a:t>2019/3/10</a:t>
+              <a:t>2019/3/12</a:t>
             </a:fld>
             <a:endParaRPr lang="zh-CN" altLang="en-US"/>
           </a:p>
@@ -1323,7 +1329,7 @@
           <a:p>
             <a:fld id="{94802099-2941-4879-B0E9-0A21E5EA70A8}" type="datetimeFigureOut">
               <a:rPr lang="zh-CN" altLang="en-US" smtClean="0"/>
-              <a:t>2019/3/10</a:t>
+              <a:t>2019/3/12</a:t>
             </a:fld>
             <a:endParaRPr lang="zh-CN" altLang="en-US"/>
           </a:p>
@@ -1598,7 +1604,7 @@
           <a:p>
             <a:fld id="{94802099-2941-4879-B0E9-0A21E5EA70A8}" type="datetimeFigureOut">
               <a:rPr lang="zh-CN" altLang="en-US" smtClean="0"/>
-              <a:t>2019/3/10</a:t>
+              <a:t>2019/3/12</a:t>
             </a:fld>
             <a:endParaRPr lang="zh-CN" altLang="en-US"/>
           </a:p>
@@ -1863,7 +1869,7 @@
           <a:p>
             <a:fld id="{94802099-2941-4879-B0E9-0A21E5EA70A8}" type="datetimeFigureOut">
               <a:rPr lang="zh-CN" altLang="en-US" smtClean="0"/>
-              <a:t>2019/3/10</a:t>
+              <a:t>2019/3/12</a:t>
             </a:fld>
             <a:endParaRPr lang="zh-CN" altLang="en-US"/>
           </a:p>
@@ -2275,7 +2281,7 @@
           <a:p>
             <a:fld id="{94802099-2941-4879-B0E9-0A21E5EA70A8}" type="datetimeFigureOut">
               <a:rPr lang="zh-CN" altLang="en-US" smtClean="0"/>
-              <a:t>2019/3/10</a:t>
+              <a:t>2019/3/12</a:t>
             </a:fld>
             <a:endParaRPr lang="zh-CN" altLang="en-US"/>
           </a:p>
@@ -2416,7 +2422,7 @@
           <a:p>
             <a:fld id="{94802099-2941-4879-B0E9-0A21E5EA70A8}" type="datetimeFigureOut">
               <a:rPr lang="zh-CN" altLang="en-US" smtClean="0"/>
-              <a:t>2019/3/10</a:t>
+              <a:t>2019/3/12</a:t>
             </a:fld>
             <a:endParaRPr lang="zh-CN" altLang="en-US"/>
           </a:p>
@@ -2529,7 +2535,7 @@
           <a:p>
             <a:fld id="{94802099-2941-4879-B0E9-0A21E5EA70A8}" type="datetimeFigureOut">
               <a:rPr lang="zh-CN" altLang="en-US" smtClean="0"/>
-              <a:t>2019/3/10</a:t>
+              <a:t>2019/3/12</a:t>
             </a:fld>
             <a:endParaRPr lang="zh-CN" altLang="en-US"/>
           </a:p>
@@ -2840,7 +2846,7 @@
           <a:p>
             <a:fld id="{94802099-2941-4879-B0E9-0A21E5EA70A8}" type="datetimeFigureOut">
               <a:rPr lang="zh-CN" altLang="en-US" smtClean="0"/>
-              <a:t>2019/3/10</a:t>
+              <a:t>2019/3/12</a:t>
             </a:fld>
             <a:endParaRPr lang="zh-CN" altLang="en-US"/>
           </a:p>
@@ -3128,7 +3134,7 @@
           <a:p>
             <a:fld id="{94802099-2941-4879-B0E9-0A21E5EA70A8}" type="datetimeFigureOut">
               <a:rPr lang="zh-CN" altLang="en-US" smtClean="0"/>
-              <a:t>2019/3/10</a:t>
+              <a:t>2019/3/12</a:t>
             </a:fld>
             <a:endParaRPr lang="zh-CN" altLang="en-US"/>
           </a:p>
@@ -3369,7 +3375,7 @@
           <a:p>
             <a:fld id="{94802099-2941-4879-B0E9-0A21E5EA70A8}" type="datetimeFigureOut">
               <a:rPr lang="zh-CN" altLang="en-US" smtClean="0"/>
-              <a:t>2019/3/10</a:t>
+              <a:t>2019/3/12</a:t>
             </a:fld>
             <a:endParaRPr lang="zh-CN" altLang="en-US"/>
           </a:p>
@@ -4032,8 +4038,8 @@
           </a:p>
         </p:txBody>
       </p:sp>
-      <mc:AlternateContent xmlns:mc="http://schemas.openxmlformats.org/markup-compatibility/2006">
-        <mc:Choice xmlns:a14="http://schemas.microsoft.com/office/drawing/2010/main" Requires="a14">
+      <mc:AlternateContent xmlns:mc="http://schemas.openxmlformats.org/markup-compatibility/2006" xmlns:a14="http://schemas.microsoft.com/office/drawing/2010/main">
+        <mc:Choice Requires="a14">
           <p:sp>
             <p:nvSpPr>
               <p:cNvPr id="3" name="内容占位符 2">
@@ -4195,7 +4201,7 @@
             </p:txBody>
           </p:sp>
         </mc:Choice>
-        <mc:Fallback>
+        <mc:Fallback xmlns="">
           <p:sp>
             <p:nvSpPr>
               <p:cNvPr id="3" name="内容占位符 2">
@@ -4294,8 +4300,8 @@
           </a:p>
         </p:txBody>
       </p:sp>
-      <mc:AlternateContent xmlns:mc="http://schemas.openxmlformats.org/markup-compatibility/2006">
-        <mc:Choice xmlns:a14="http://schemas.microsoft.com/office/drawing/2010/main" Requires="a14">
+      <mc:AlternateContent xmlns:mc="http://schemas.openxmlformats.org/markup-compatibility/2006" xmlns:a14="http://schemas.microsoft.com/office/drawing/2010/main">
+        <mc:Choice Requires="a14">
           <p:sp>
             <p:nvSpPr>
               <p:cNvPr id="3" name="内容占位符 2">
@@ -4655,7 +4661,7 @@
             </p:txBody>
           </p:sp>
         </mc:Choice>
-        <mc:Fallback>
+        <mc:Fallback xmlns="">
           <p:sp>
             <p:nvSpPr>
               <p:cNvPr id="3" name="内容占位符 2">
@@ -4754,8 +4760,8 @@
           </a:p>
         </p:txBody>
       </p:sp>
-      <mc:AlternateContent xmlns:mc="http://schemas.openxmlformats.org/markup-compatibility/2006">
-        <mc:Choice xmlns:a14="http://schemas.microsoft.com/office/drawing/2010/main" Requires="a14">
+      <mc:AlternateContent xmlns:mc="http://schemas.openxmlformats.org/markup-compatibility/2006" xmlns:a14="http://schemas.microsoft.com/office/drawing/2010/main">
+        <mc:Choice Requires="a14">
           <p:sp>
             <p:nvSpPr>
               <p:cNvPr id="3" name="内容占位符 2">
@@ -4971,7 +4977,7 @@
             </p:txBody>
           </p:sp>
         </mc:Choice>
-        <mc:Fallback>
+        <mc:Fallback xmlns="">
           <p:sp>
             <p:nvSpPr>
               <p:cNvPr id="3" name="内容占位符 2">
@@ -6636,8 +6642,8 @@
           </a:p>
         </p:txBody>
       </p:sp>
-      <mc:AlternateContent xmlns:mc="http://schemas.openxmlformats.org/markup-compatibility/2006">
-        <mc:Choice xmlns:a14="http://schemas.microsoft.com/office/drawing/2010/main" Requires="a14">
+      <mc:AlternateContent xmlns:mc="http://schemas.openxmlformats.org/markup-compatibility/2006" xmlns:a14="http://schemas.microsoft.com/office/drawing/2010/main">
+        <mc:Choice Requires="a14">
           <p:sp>
             <p:nvSpPr>
               <p:cNvPr id="3" name="内容占位符 2">
@@ -6822,7 +6828,7 @@
             </p:txBody>
           </p:sp>
         </mc:Choice>
-        <mc:Fallback>
+        <mc:Fallback xmlns="">
           <p:sp>
             <p:nvSpPr>
               <p:cNvPr id="3" name="内容占位符 2">
@@ -11087,8 +11093,8 @@
           </a:p>
         </p:txBody>
       </p:sp>
-      <mc:AlternateContent xmlns:mc="http://schemas.openxmlformats.org/markup-compatibility/2006">
-        <mc:Choice xmlns:a14="http://schemas.microsoft.com/office/drawing/2010/main" Requires="a14">
+      <mc:AlternateContent xmlns:mc="http://schemas.openxmlformats.org/markup-compatibility/2006" xmlns:a14="http://schemas.microsoft.com/office/drawing/2010/main">
+        <mc:Choice Requires="a14">
           <p:sp>
             <p:nvSpPr>
               <p:cNvPr id="3" name="内容占位符 2">
@@ -11717,7 +11723,7 @@
             </p:txBody>
           </p:sp>
         </mc:Choice>
-        <mc:Fallback>
+        <mc:Fallback xmlns="">
           <p:sp>
             <p:nvSpPr>
               <p:cNvPr id="3" name="内容占位符 2">
@@ -11816,8 +11822,8 @@
           </a:p>
         </p:txBody>
       </p:sp>
-      <mc:AlternateContent xmlns:mc="http://schemas.openxmlformats.org/markup-compatibility/2006">
-        <mc:Choice xmlns:a14="http://schemas.microsoft.com/office/drawing/2010/main" Requires="a14">
+      <mc:AlternateContent xmlns:mc="http://schemas.openxmlformats.org/markup-compatibility/2006" xmlns:a14="http://schemas.microsoft.com/office/drawing/2010/main">
+        <mc:Choice Requires="a14">
           <p:sp>
             <p:nvSpPr>
               <p:cNvPr id="3" name="内容占位符 2">
@@ -12457,7 +12463,7 @@
             </p:txBody>
           </p:sp>
         </mc:Choice>
-        <mc:Fallback>
+        <mc:Fallback xmlns="">
           <p:sp>
             <p:nvSpPr>
               <p:cNvPr id="3" name="内容占位符 2">
@@ -14449,8 +14455,8 @@
           </a:p>
         </p:txBody>
       </p:sp>
-      <mc:AlternateContent xmlns:mc="http://schemas.openxmlformats.org/markup-compatibility/2006">
-        <mc:Choice xmlns:a14="http://schemas.microsoft.com/office/drawing/2010/main" Requires="a14">
+      <mc:AlternateContent xmlns:mc="http://schemas.openxmlformats.org/markup-compatibility/2006" xmlns:a14="http://schemas.microsoft.com/office/drawing/2010/main">
+        <mc:Choice Requires="a14">
           <p:sp>
             <p:nvSpPr>
               <p:cNvPr id="3" name="内容占位符 2">
@@ -15464,7 +15470,7 @@
             </p:txBody>
           </p:sp>
         </mc:Choice>
-        <mc:Fallback>
+        <mc:Fallback xmlns="">
           <p:sp>
             <p:nvSpPr>
               <p:cNvPr id="3" name="内容占位符 2">
@@ -15567,8 +15573,8 @@
           </a:p>
         </p:txBody>
       </p:sp>
-      <mc:AlternateContent xmlns:mc="http://schemas.openxmlformats.org/markup-compatibility/2006">
-        <mc:Choice xmlns:a14="http://schemas.microsoft.com/office/drawing/2010/main" Requires="a14">
+      <mc:AlternateContent xmlns:mc="http://schemas.openxmlformats.org/markup-compatibility/2006" xmlns:a14="http://schemas.microsoft.com/office/drawing/2010/main">
+        <mc:Choice Requires="a14">
           <p:sp>
             <p:nvSpPr>
               <p:cNvPr id="3" name="内容占位符 2">
@@ -16512,7 +16518,7 @@
             </p:txBody>
           </p:sp>
         </mc:Choice>
-        <mc:Fallback>
+        <mc:Fallback xmlns="">
           <p:sp>
             <p:nvSpPr>
               <p:cNvPr id="3" name="内容占位符 2">
@@ -16615,8 +16621,8 @@
           </a:p>
         </p:txBody>
       </p:sp>
-      <mc:AlternateContent xmlns:mc="http://schemas.openxmlformats.org/markup-compatibility/2006">
-        <mc:Choice xmlns:a14="http://schemas.microsoft.com/office/drawing/2010/main" Requires="a14">
+      <mc:AlternateContent xmlns:mc="http://schemas.openxmlformats.org/markup-compatibility/2006" xmlns:a14="http://schemas.microsoft.com/office/drawing/2010/main">
+        <mc:Choice Requires="a14">
           <p:sp>
             <p:nvSpPr>
               <p:cNvPr id="3" name="内容占位符 2">
@@ -17414,7 +17420,7 @@
             </p:txBody>
           </p:sp>
         </mc:Choice>
-        <mc:Fallback>
+        <mc:Fallback xmlns="">
           <p:sp>
             <p:nvSpPr>
               <p:cNvPr id="3" name="内容占位符 2">
@@ -17517,8 +17523,8 @@
           </a:p>
         </p:txBody>
       </p:sp>
-      <mc:AlternateContent xmlns:mc="http://schemas.openxmlformats.org/markup-compatibility/2006">
-        <mc:Choice xmlns:a14="http://schemas.microsoft.com/office/drawing/2010/main" Requires="a14">
+      <mc:AlternateContent xmlns:mc="http://schemas.openxmlformats.org/markup-compatibility/2006" xmlns:a14="http://schemas.microsoft.com/office/drawing/2010/main">
+        <mc:Choice Requires="a14">
           <p:sp>
             <p:nvSpPr>
               <p:cNvPr id="3" name="内容占位符 2">
@@ -18088,7 +18094,7 @@
             </p:txBody>
           </p:sp>
         </mc:Choice>
-        <mc:Fallback>
+        <mc:Fallback xmlns="">
           <p:sp>
             <p:nvSpPr>
               <p:cNvPr id="3" name="内容占位符 2">
@@ -18792,6 +18798,183 @@
           <p:cNvPr id="2" name="标题 1">
             <a:extLst>
               <a:ext uri="{FF2B5EF4-FFF2-40B4-BE49-F238E27FC236}">
+                <a16:creationId xmlns:a16="http://schemas.microsoft.com/office/drawing/2014/main" id="{ABA8EF5D-9316-4997-A9D1-1FDA67F735B1}"/>
+              </a:ext>
+            </a:extLst>
+          </p:cNvPr>
+          <p:cNvSpPr>
+            <a:spLocks noGrp="1"/>
+          </p:cNvSpPr>
+          <p:nvPr>
+            <p:ph type="title"/>
+          </p:nvPr>
+        </p:nvSpPr>
+        <p:spPr/>
+        <p:txBody>
+          <a:bodyPr/>
+          <a:lstStyle/>
+          <a:p>
+            <a:r>
+              <a:rPr lang="en-US" altLang="zh-CN" dirty="0"/>
+              <a:t>Additional</a:t>
+            </a:r>
+            <a:endParaRPr lang="zh-CN" altLang="en-US" dirty="0"/>
+          </a:p>
+        </p:txBody>
+      </p:sp>
+      <p:sp>
+        <p:nvSpPr>
+          <p:cNvPr id="3" name="内容占位符 2">
+            <a:extLst>
+              <a:ext uri="{FF2B5EF4-FFF2-40B4-BE49-F238E27FC236}">
+                <a16:creationId xmlns:a16="http://schemas.microsoft.com/office/drawing/2014/main" id="{2C841F89-FBCD-4594-B8A8-58233074F897}"/>
+              </a:ext>
+            </a:extLst>
+          </p:cNvPr>
+          <p:cNvSpPr>
+            <a:spLocks noGrp="1"/>
+          </p:cNvSpPr>
+          <p:nvPr>
+            <p:ph idx="1"/>
+          </p:nvPr>
+        </p:nvSpPr>
+        <p:spPr/>
+        <p:txBody>
+          <a:bodyPr/>
+          <a:lstStyle/>
+          <a:p>
+            <a:r>
+              <a:rPr lang="en-US" altLang="zh-CN" dirty="0"/>
+              <a:t>C tokenizer</a:t>
+            </a:r>
+          </a:p>
+          <a:p>
+            <a:pPr lvl="1"/>
+            <a:r>
+              <a:rPr lang="en-US" altLang="zh-CN" dirty="0">
+                <a:hlinkClick r:id="rId2"/>
+              </a:rPr>
+              <a:t>https://github.com/LC-John/C-Tokenizer</a:t>
+            </a:r>
+            <a:endParaRPr lang="en-US" altLang="zh-CN" dirty="0"/>
+          </a:p>
+          <a:p>
+            <a:pPr lvl="1"/>
+            <a:r>
+              <a:rPr lang="en-US" altLang="zh-CN" dirty="0" err="1"/>
+              <a:t>Siton</a:t>
+            </a:r>
+            <a:r>
+              <a:rPr lang="en-US" altLang="zh-CN" dirty="0"/>
+              <a:t> /home1/</a:t>
+            </a:r>
+            <a:r>
+              <a:rPr lang="en-US" altLang="zh-CN" dirty="0" err="1"/>
+              <a:t>zhanghz</a:t>
+            </a:r>
+            <a:r>
+              <a:rPr lang="en-US" altLang="zh-CN" dirty="0"/>
+              <a:t>/C-Tokenizer/token </a:t>
+            </a:r>
+            <a:r>
+              <a:rPr lang="en-US" altLang="zh-CN" dirty="0" err="1"/>
+              <a:t>input.file</a:t>
+            </a:r>
+            <a:r>
+              <a:rPr lang="en-US" altLang="zh-CN" dirty="0"/>
+              <a:t> </a:t>
+            </a:r>
+            <a:r>
+              <a:rPr lang="en-US" altLang="zh-CN" dirty="0" err="1"/>
+              <a:t>output.file</a:t>
+            </a:r>
+            <a:endParaRPr lang="en-US" altLang="zh-CN" dirty="0"/>
+          </a:p>
+          <a:p>
+            <a:r>
+              <a:rPr lang="en-US" altLang="zh-CN" dirty="0"/>
+              <a:t>Java tokenizer</a:t>
+            </a:r>
+          </a:p>
+          <a:p>
+            <a:pPr lvl="1"/>
+            <a:r>
+              <a:rPr lang="en-US" altLang="zh-CN" dirty="0">
+                <a:hlinkClick r:id="rId3"/>
+              </a:rPr>
+              <a:t>https://github.com/LC-John/Java-Tokenizer</a:t>
+            </a:r>
+            <a:endParaRPr lang="en-US" altLang="zh-CN" dirty="0"/>
+          </a:p>
+          <a:p>
+            <a:pPr lvl="1"/>
+            <a:r>
+              <a:rPr lang="en-US" altLang="zh-CN" dirty="0" err="1"/>
+              <a:t>Siton</a:t>
+            </a:r>
+            <a:r>
+              <a:rPr lang="en-US" altLang="zh-CN" dirty="0"/>
+              <a:t> /home1/</a:t>
+            </a:r>
+            <a:r>
+              <a:rPr lang="en-US" altLang="zh-CN" dirty="0" err="1"/>
+              <a:t>zhanghz</a:t>
+            </a:r>
+            <a:r>
+              <a:rPr lang="en-US" altLang="zh-CN" dirty="0"/>
+              <a:t>/Java-Tokenizer/token </a:t>
+            </a:r>
+            <a:r>
+              <a:rPr lang="en-US" altLang="zh-CN" dirty="0" err="1"/>
+              <a:t>input.file</a:t>
+            </a:r>
+            <a:r>
+              <a:rPr lang="en-US" altLang="zh-CN" dirty="0"/>
+              <a:t> </a:t>
+            </a:r>
+            <a:r>
+              <a:rPr lang="en-US" altLang="zh-CN" dirty="0" err="1"/>
+              <a:t>output.file</a:t>
+            </a:r>
+            <a:endParaRPr lang="en-US" altLang="zh-CN" dirty="0"/>
+          </a:p>
+        </p:txBody>
+      </p:sp>
+    </p:spTree>
+    <p:extLst>
+      <p:ext uri="{BB962C8B-B14F-4D97-AF65-F5344CB8AC3E}">
+        <p14:creationId xmlns:p14="http://schemas.microsoft.com/office/powerpoint/2010/main" val="3042093326"/>
+      </p:ext>
+    </p:extLst>
+  </p:cSld>
+  <p:clrMapOvr>
+    <a:masterClrMapping/>
+  </p:clrMapOvr>
+</p:sld>
+</file>
+
+<file path=ppt/slides/slide31.xml><?xml version="1.0" encoding="utf-8"?>
+<p:sld xmlns:a="http://schemas.openxmlformats.org/drawingml/2006/main" xmlns:r="http://schemas.openxmlformats.org/officeDocument/2006/relationships" xmlns:p="http://schemas.openxmlformats.org/presentationml/2006/main">
+  <p:cSld>
+    <p:spTree>
+      <p:nvGrpSpPr>
+        <p:cNvPr id="1" name=""/>
+        <p:cNvGrpSpPr/>
+        <p:nvPr/>
+      </p:nvGrpSpPr>
+      <p:grpSpPr>
+        <a:xfrm>
+          <a:off x="0" y="0"/>
+          <a:ext cx="0" cy="0"/>
+          <a:chOff x="0" y="0"/>
+          <a:chExt cx="0" cy="0"/>
+        </a:xfrm>
+      </p:grpSpPr>
+      <p:sp>
+        <p:nvSpPr>
+          <p:cNvPr id="2" name="标题 1">
+            <a:extLst>
+              <a:ext uri="{FF2B5EF4-FFF2-40B4-BE49-F238E27FC236}">
                 <a16:creationId xmlns:a16="http://schemas.microsoft.com/office/drawing/2014/main" id="{C971A592-7999-4CC3-9C85-206629F69EB1}"/>
               </a:ext>
             </a:extLst>
@@ -19343,8 +19526,8 @@
           </a:p>
         </p:txBody>
       </p:sp>
-      <mc:AlternateContent xmlns:mc="http://schemas.openxmlformats.org/markup-compatibility/2006">
-        <mc:Choice xmlns:a14="http://schemas.microsoft.com/office/drawing/2010/main" Requires="a14">
+      <mc:AlternateContent xmlns:mc="http://schemas.openxmlformats.org/markup-compatibility/2006" xmlns:a14="http://schemas.microsoft.com/office/drawing/2010/main">
+        <mc:Choice Requires="a14">
           <p:sp>
             <p:nvSpPr>
               <p:cNvPr id="3" name="内容占位符 2">
@@ -19713,7 +19896,7 @@
             </p:txBody>
           </p:sp>
         </mc:Choice>
-        <mc:Fallback>
+        <mc:Fallback xmlns="">
           <p:sp>
             <p:nvSpPr>
               <p:cNvPr id="3" name="内容占位符 2">
@@ -19859,8 +20042,8 @@
           </a:p>
         </p:txBody>
       </p:sp>
-      <mc:AlternateContent xmlns:mc="http://schemas.openxmlformats.org/markup-compatibility/2006">
-        <mc:Choice xmlns:a14="http://schemas.microsoft.com/office/drawing/2010/main" Requires="a14">
+      <mc:AlternateContent xmlns:mc="http://schemas.openxmlformats.org/markup-compatibility/2006" xmlns:a14="http://schemas.microsoft.com/office/drawing/2010/main">
+        <mc:Choice Requires="a14">
           <p:sp>
             <p:nvSpPr>
               <p:cNvPr id="3" name="内容占位符 2">
@@ -20087,7 +20270,7 @@
             </p:txBody>
           </p:sp>
         </mc:Choice>
-        <mc:Fallback>
+        <mc:Fallback xmlns="">
           <p:sp>
             <p:nvSpPr>
               <p:cNvPr id="3" name="内容占位符 2">
@@ -20186,8 +20369,8 @@
           </a:p>
         </p:txBody>
       </p:sp>
-      <mc:AlternateContent xmlns:mc="http://schemas.openxmlformats.org/markup-compatibility/2006">
-        <mc:Choice xmlns:a14="http://schemas.microsoft.com/office/drawing/2010/main" Requires="a14">
+      <mc:AlternateContent xmlns:mc="http://schemas.openxmlformats.org/markup-compatibility/2006" xmlns:a14="http://schemas.microsoft.com/office/drawing/2010/main">
+        <mc:Choice Requires="a14">
           <p:sp>
             <p:nvSpPr>
               <p:cNvPr id="3" name="内容占位符 2">
@@ -20687,7 +20870,7 @@
             </p:txBody>
           </p:sp>
         </mc:Choice>
-        <mc:Fallback>
+        <mc:Fallback xmlns="">
           <p:sp>
             <p:nvSpPr>
               <p:cNvPr id="3" name="内容占位符 2">
